--- a/documentation/meter/images/easy-franchise-metering.pptx
+++ b/documentation/meter/images/easy-franchise-metering.pptx
@@ -1724,53 +1724,6 @@
           </a:p>
         </p:txBody>
       </p:sp>
-      <p:pic>
-        <p:nvPicPr>
-          <p:cNvPr id="19" name="Picture 4" descr="Cloud Foundry – Open Source Cloud Native Application Delivery">
-            <a:extLst>
-              <a:ext uri="{FF2B5EF4-FFF2-40B4-BE49-F238E27FC236}">
-                <a16:creationId xmlns:a16="http://schemas.microsoft.com/office/drawing/2014/main" id="{954CFB63-00D2-0398-075C-3CD16888904F}"/>
-              </a:ext>
-            </a:extLst>
-          </p:cNvPr>
-          <p:cNvPicPr>
-            <a:picLocks noChangeAspect="1" noChangeArrowheads="1"/>
-          </p:cNvPicPr>
-          <p:nvPr userDrawn="1"/>
-        </p:nvPicPr>
-        <p:blipFill>
-          <a:blip r:embed="rId3">
-            <a:extLst>
-              <a:ext uri="{28A0092B-C50C-407E-A947-70E740481C1C}">
-                <a14:useLocalDpi xmlns:a14="http://schemas.microsoft.com/office/drawing/2010/main" val="0"/>
-              </a:ext>
-            </a:extLst>
-          </a:blip>
-          <a:srcRect/>
-          <a:stretch>
-            <a:fillRect/>
-          </a:stretch>
-        </p:blipFill>
-        <p:spPr bwMode="auto">
-          <a:xfrm>
-            <a:off x="6519927" y="1112297"/>
-            <a:ext cx="1063096" cy="145345"/>
-          </a:xfrm>
-          <a:prstGeom prst="rect">
-            <a:avLst/>
-          </a:prstGeom>
-          <a:noFill/>
-          <a:extLst>
-            <a:ext uri="{909E8E84-426E-40DD-AFC4-6F175D3DCCD1}">
-              <a14:hiddenFill xmlns:a14="http://schemas.microsoft.com/office/drawing/2010/main">
-                <a:solidFill>
-                  <a:srgbClr val="FFFFFF"/>
-                </a:solidFill>
-              </a14:hiddenFill>
-            </a:ext>
-          </a:extLst>
-        </p:spPr>
-      </p:pic>
       <p:sp>
         <p:nvSpPr>
           <p:cNvPr id="20" name="Rectangle 19">
@@ -2615,7 +2568,7 @@
         <p:spPr>
           <a:xfrm>
             <a:off x="6513484" y="1428695"/>
-            <a:ext cx="894797" cy="215444"/>
+            <a:ext cx="947695" cy="215444"/>
           </a:xfrm>
           <a:prstGeom prst="rect">
             <a:avLst/>
@@ -2646,25 +2599,24 @@
               <a:defRPr/>
             </a:pPr>
             <a:r>
-              <a:rPr kumimoji="0" lang="en-DE" sz="800" b="1" i="0" u="none" strike="noStrike" kern="1200" cap="none" spc="0" normalizeH="0" baseline="0" noProof="0">
-                <a:ln>
-                  <a:noFill/>
-                </a:ln>
+              <a:rPr lang="en-US" sz="800" b="1" dirty="0">
                 <a:solidFill>
-                  <a:prstClr val="black">
+                  <a:schemeClr val="tx1">
                     <a:lumMod val="50000"/>
                     <a:lumOff val="50000"/>
-                  </a:prstClr>
+                  </a:schemeClr>
                 </a:solidFill>
-                <a:effectLst/>
-                <a:uLnTx/>
-                <a:uFillTx/>
-                <a:latin typeface="Calibri" panose="020F0502020204030204"/>
-                <a:ea typeface="+mn-ea"/>
-                <a:cs typeface="+mn-cs"/>
               </a:rPr>
-              <a:t>SAP HANA Cloud</a:t>
+              <a:t>Easy Franchise DB</a:t>
             </a:r>
+            <a:endParaRPr lang="en-DE" sz="800" b="1" dirty="0">
+              <a:solidFill>
+                <a:schemeClr val="tx1">
+                  <a:lumMod val="50000"/>
+                  <a:lumOff val="50000"/>
+                </a:schemeClr>
+              </a:solidFill>
+            </a:endParaRPr>
           </a:p>
         </p:txBody>
       </p:sp>
@@ -2683,7 +2635,7 @@
           <p:nvPr userDrawn="1"/>
         </p:nvPicPr>
         <p:blipFill>
-          <a:blip r:embed="rId4">
+          <a:blip r:embed="rId3">
             <a:duotone>
               <a:prstClr val="black"/>
               <a:schemeClr val="accent3">
@@ -2737,7 +2689,7 @@
           <p:nvPr userDrawn="1"/>
         </p:nvPicPr>
         <p:blipFill>
-          <a:blip r:embed="rId4">
+          <a:blip r:embed="rId3">
             <a:duotone>
               <a:prstClr val="black"/>
               <a:schemeClr val="accent3">
@@ -2791,7 +2743,7 @@
           <p:nvPr userDrawn="1"/>
         </p:nvPicPr>
         <p:blipFill>
-          <a:blip r:embed="rId4">
+          <a:blip r:embed="rId3">
             <a:duotone>
               <a:prstClr val="black"/>
               <a:schemeClr val="accent3">
@@ -2845,7 +2797,7 @@
           <p:nvPr userDrawn="1"/>
         </p:nvPicPr>
         <p:blipFill>
-          <a:blip r:embed="rId4">
+          <a:blip r:embed="rId3">
             <a:duotone>
               <a:prstClr val="black"/>
               <a:schemeClr val="accent3">
@@ -3125,7 +3077,7 @@
           <p:nvPr userDrawn="1"/>
         </p:nvPicPr>
         <p:blipFill>
-          <a:blip r:embed="rId5">
+          <a:blip r:embed="rId4">
             <a:extLst>
               <a:ext uri="{28A0092B-C50C-407E-A947-70E740481C1C}">
                 <a14:useLocalDpi xmlns:a14="http://schemas.microsoft.com/office/drawing/2010/main" val="0"/>
@@ -3415,7 +3367,7 @@
           <p:nvPr userDrawn="1"/>
         </p:nvPicPr>
         <p:blipFill>
-          <a:blip r:embed="rId4">
+          <a:blip r:embed="rId3">
             <a:duotone>
               <a:prstClr val="black"/>
               <a:schemeClr val="accent3">
@@ -3798,7 +3750,7 @@
             <p:nvPr/>
           </p:nvPicPr>
           <p:blipFill rotWithShape="1">
-            <a:blip r:embed="rId6">
+            <a:blip r:embed="rId5">
               <a:extLst>
                 <a:ext uri="{28A0092B-C50C-407E-A947-70E740481C1C}">
                   <a14:useLocalDpi xmlns:a14="http://schemas.microsoft.com/office/drawing/2010/main" val="0"/>
@@ -4142,7 +4094,7 @@
           <p:nvPr userDrawn="1"/>
         </p:nvPicPr>
         <p:blipFill rotWithShape="1">
-          <a:blip r:embed="rId6">
+          <a:blip r:embed="rId5">
             <a:extLst>
               <a:ext uri="{28A0092B-C50C-407E-A947-70E740481C1C}">
                 <a14:useLocalDpi xmlns:a14="http://schemas.microsoft.com/office/drawing/2010/main" val="0"/>
@@ -4477,7 +4429,7 @@
           <p:nvPr userDrawn="1"/>
         </p:nvPicPr>
         <p:blipFill>
-          <a:blip r:embed="rId5">
+          <a:blip r:embed="rId4">
             <a:extLst>
               <a:ext uri="{28A0092B-C50C-407E-A947-70E740481C1C}">
                 <a14:useLocalDpi xmlns:a14="http://schemas.microsoft.com/office/drawing/2010/main" val="0"/>
@@ -4609,7 +4561,7 @@
           <p:nvPr userDrawn="1"/>
         </p:nvPicPr>
         <p:blipFill>
-          <a:blip r:embed="rId7">
+          <a:blip r:embed="rId6">
             <a:extLst>
               <a:ext uri="{28A0092B-C50C-407E-A947-70E740481C1C}">
                 <a14:useLocalDpi xmlns:a14="http://schemas.microsoft.com/office/drawing/2010/main" val="0"/>
@@ -4641,6 +4593,50 @@
           </a:extLst>
         </p:spPr>
       </p:pic>
+      <p:sp>
+        <p:nvSpPr>
+          <p:cNvPr id="58" name="TextBox 57">
+            <a:extLst>
+              <a:ext uri="{FF2B5EF4-FFF2-40B4-BE49-F238E27FC236}">
+                <a16:creationId xmlns:a16="http://schemas.microsoft.com/office/drawing/2014/main" id="{88B3A2A8-0B8B-45F8-B4CA-FCF8080081E1}"/>
+              </a:ext>
+            </a:extLst>
+          </p:cNvPr>
+          <p:cNvSpPr txBox="1"/>
+          <p:nvPr userDrawn="1"/>
+        </p:nvSpPr>
+        <p:spPr>
+          <a:xfrm>
+            <a:off x="6443895" y="1067223"/>
+            <a:ext cx="2647483" cy="246221"/>
+          </a:xfrm>
+          <a:prstGeom prst="rect">
+            <a:avLst/>
+          </a:prstGeom>
+          <a:noFill/>
+        </p:spPr>
+        <p:txBody>
+          <a:bodyPr wrap="square" rtlCol="0">
+            <a:spAutoFit/>
+          </a:bodyPr>
+          <a:lstStyle/>
+          <a:p>
+            <a:r>
+              <a:rPr lang="en-US" sz="1000" b="1" dirty="0">
+                <a:solidFill>
+                  <a:srgbClr val="5B9BD5"/>
+                </a:solidFill>
+              </a:rPr>
+              <a:t>SAP HANA Cloud</a:t>
+            </a:r>
+            <a:endParaRPr lang="de-DE" sz="1000" b="1" dirty="0">
+              <a:solidFill>
+                <a:srgbClr val="5B9BD5"/>
+              </a:solidFill>
+            </a:endParaRPr>
+          </a:p>
+        </p:txBody>
+      </p:sp>
     </p:spTree>
     <p:extLst>
       <p:ext uri="{BB962C8B-B14F-4D97-AF65-F5344CB8AC3E}">
@@ -52224,41 +52220,41 @@
 </file>
 
 <file path=customXml/item1.xml><?xml version="1.0" encoding="utf-8"?>
+<TemplafySlideTemplateConfiguration><![CDATA[{"slideVersion":1,"isValidatorEnabled":false,"isLocked":false,"elementsMetadata":[],"slideId":"637492538452648423","enableDocumentContentUpdater":false,"version":"2.0"}]]></TemplafySlideTemplateConfiguration>
+</file>
+
+<file path=customXml/item2.xml><?xml version="1.0" encoding="utf-8"?>
+<TemplafyFormConfiguration><![CDATA[{"formFields":[],"formDataEntries":[]}]]></TemplafyFormConfiguration>
+</file>
+
+<file path=customXml/item3.xml><?xml version="1.0" encoding="utf-8"?>
+<TemplafyTemplateConfiguration><![CDATA[{"elementsMetadata":[],"transformationConfigurations":[],"templateName":"blankpresentation","templateDescription":"","enableDocumentContentUpdater":false,"version":"2.0"}]]></TemplafyTemplateConfiguration>
+</file>
+
+<file path=customXml/item4.xml><?xml version="1.0" encoding="utf-8"?>
 <TemplafySlideFormConfiguration><![CDATA[{"formFields":[],"formDataEntries":[]}]]></TemplafySlideFormConfiguration>
 </file>
 
-<file path=customXml/item2.xml><?xml version="1.0" encoding="utf-8"?>
-<TemplafyTemplateConfiguration><![CDATA[{"elementsMetadata":[],"transformationConfigurations":[],"templateName":"blankpresentation","templateDescription":"","enableDocumentContentUpdater":false,"version":"2.0"}]]></TemplafyTemplateConfiguration>
-</file>
-
-<file path=customXml/item3.xml><?xml version="1.0" encoding="utf-8"?>
-<TemplafyFormConfiguration><![CDATA[{"formFields":[],"formDataEntries":[]}]]></TemplafyFormConfiguration>
-</file>
-
-<file path=customXml/item4.xml><?xml version="1.0" encoding="utf-8"?>
-<TemplafySlideTemplateConfiguration><![CDATA[{"slideVersion":1,"isValidatorEnabled":false,"isLocked":false,"elementsMetadata":[],"slideId":"637492538452648423","enableDocumentContentUpdater":false,"version":"2.0"}]]></TemplafySlideTemplateConfiguration>
-</file>
-
 <file path=customXml/itemProps1.xml><?xml version="1.0" encoding="utf-8"?>
-<ds:datastoreItem xmlns:ds="http://schemas.openxmlformats.org/officeDocument/2006/customXml" ds:itemID="{B7907530-0CC5-4229-9EFB-458F577AA3A6}">
+<ds:datastoreItem xmlns:ds="http://schemas.openxmlformats.org/officeDocument/2006/customXml" ds:itemID="{DAEC0FB5-7FB8-4E5D-836C-D6122B8C2BC6}">
   <ds:schemaRefs/>
 </ds:datastoreItem>
 </file>
 
 <file path=customXml/itemProps2.xml><?xml version="1.0" encoding="utf-8"?>
+<ds:datastoreItem xmlns:ds="http://schemas.openxmlformats.org/officeDocument/2006/customXml" ds:itemID="{21E4BB68-DBE0-4174-BF38-A8F24AA97E06}">
+  <ds:schemaRefs/>
+</ds:datastoreItem>
+</file>
+
+<file path=customXml/itemProps3.xml><?xml version="1.0" encoding="utf-8"?>
 <ds:datastoreItem xmlns:ds="http://schemas.openxmlformats.org/officeDocument/2006/customXml" ds:itemID="{1E5C1412-4B31-4EB2-BCFB-90DC85E0549F}">
   <ds:schemaRefs/>
 </ds:datastoreItem>
 </file>
 
-<file path=customXml/itemProps3.xml><?xml version="1.0" encoding="utf-8"?>
-<ds:datastoreItem xmlns:ds="http://schemas.openxmlformats.org/officeDocument/2006/customXml" ds:itemID="{21E4BB68-DBE0-4174-BF38-A8F24AA97E06}">
-  <ds:schemaRefs/>
-</ds:datastoreItem>
-</file>
-
 <file path=customXml/itemProps4.xml><?xml version="1.0" encoding="utf-8"?>
-<ds:datastoreItem xmlns:ds="http://schemas.openxmlformats.org/officeDocument/2006/customXml" ds:itemID="{DAEC0FB5-7FB8-4E5D-836C-D6122B8C2BC6}">
+<ds:datastoreItem xmlns:ds="http://schemas.openxmlformats.org/officeDocument/2006/customXml" ds:itemID="{B7907530-0CC5-4229-9EFB-458F577AA3A6}">
   <ds:schemaRefs/>
 </ds:datastoreItem>
 </file>